--- a/TPLDataFlows-Pipeline.pptx
+++ b/TPLDataFlows-Pipeline.pptx
@@ -104,6 +104,11 @@
       </a:defRPr>
     </a:lvl9pPr>
   </p:defaultTextStyle>
+  <p:extLst>
+    <p:ext uri="{EFAFB233-063F-42B5-8137-9DF3F51BA10A}">
+      <p15:sldGuideLst xmlns:p15="http://schemas.microsoft.com/office/powerpoint/2012/main"/>
+    </p:ext>
+  </p:extLst>
 </p:presentation>
 </file>
 
@@ -254,9 +259,9 @@
           <a:p>
             <a:fld id="{4C5FABB2-20C3-FA46-B832-B81A4CBD1BF3}" type="datetimeFigureOut">
               <a:rPr lang="en-US" smtClean="0"/>
-              <a:t>6/20/23</a:t>
+              <a:t>7/3/23</a:t>
             </a:fld>
-            <a:endParaRPr lang="en-US"/>
+            <a:endParaRPr lang="en-US" dirty="0"/>
           </a:p>
         </p:txBody>
       </p:sp>
@@ -281,7 +286,7 @@
           <a:bodyPr/>
           <a:lstStyle/>
           <a:p>
-            <a:endParaRPr lang="en-US"/>
+            <a:endParaRPr lang="en-US" dirty="0"/>
           </a:p>
         </p:txBody>
       </p:sp>
@@ -310,7 +315,7 @@
               <a:rPr lang="en-US" smtClean="0"/>
               <a:t>‹#›</a:t>
             </a:fld>
-            <a:endParaRPr lang="en-US"/>
+            <a:endParaRPr lang="en-US" dirty="0"/>
           </a:p>
         </p:txBody>
       </p:sp>
@@ -452,9 +457,9 @@
           <a:p>
             <a:fld id="{4C5FABB2-20C3-FA46-B832-B81A4CBD1BF3}" type="datetimeFigureOut">
               <a:rPr lang="en-US" smtClean="0"/>
-              <a:t>6/20/23</a:t>
+              <a:t>7/3/23</a:t>
             </a:fld>
-            <a:endParaRPr lang="en-US"/>
+            <a:endParaRPr lang="en-US" dirty="0"/>
           </a:p>
         </p:txBody>
       </p:sp>
@@ -479,7 +484,7 @@
           <a:bodyPr/>
           <a:lstStyle/>
           <a:p>
-            <a:endParaRPr lang="en-US"/>
+            <a:endParaRPr lang="en-US" dirty="0"/>
           </a:p>
         </p:txBody>
       </p:sp>
@@ -508,7 +513,7 @@
               <a:rPr lang="en-US" smtClean="0"/>
               <a:t>‹#›</a:t>
             </a:fld>
-            <a:endParaRPr lang="en-US"/>
+            <a:endParaRPr lang="en-US" dirty="0"/>
           </a:p>
         </p:txBody>
       </p:sp>
@@ -660,9 +665,9 @@
           <a:p>
             <a:fld id="{4C5FABB2-20C3-FA46-B832-B81A4CBD1BF3}" type="datetimeFigureOut">
               <a:rPr lang="en-US" smtClean="0"/>
-              <a:t>6/20/23</a:t>
+              <a:t>7/3/23</a:t>
             </a:fld>
-            <a:endParaRPr lang="en-US"/>
+            <a:endParaRPr lang="en-US" dirty="0"/>
           </a:p>
         </p:txBody>
       </p:sp>
@@ -687,7 +692,7 @@
           <a:bodyPr/>
           <a:lstStyle/>
           <a:p>
-            <a:endParaRPr lang="en-US"/>
+            <a:endParaRPr lang="en-US" dirty="0"/>
           </a:p>
         </p:txBody>
       </p:sp>
@@ -716,7 +721,7 @@
               <a:rPr lang="en-US" smtClean="0"/>
               <a:t>‹#›</a:t>
             </a:fld>
-            <a:endParaRPr lang="en-US"/>
+            <a:endParaRPr lang="en-US" dirty="0"/>
           </a:p>
         </p:txBody>
       </p:sp>
@@ -858,9 +863,9 @@
           <a:p>
             <a:fld id="{4C5FABB2-20C3-FA46-B832-B81A4CBD1BF3}" type="datetimeFigureOut">
               <a:rPr lang="en-US" smtClean="0"/>
-              <a:t>6/20/23</a:t>
+              <a:t>7/3/23</a:t>
             </a:fld>
-            <a:endParaRPr lang="en-US"/>
+            <a:endParaRPr lang="en-US" dirty="0"/>
           </a:p>
         </p:txBody>
       </p:sp>
@@ -885,7 +890,7 @@
           <a:bodyPr/>
           <a:lstStyle/>
           <a:p>
-            <a:endParaRPr lang="en-US"/>
+            <a:endParaRPr lang="en-US" dirty="0"/>
           </a:p>
         </p:txBody>
       </p:sp>
@@ -914,7 +919,7 @@
               <a:rPr lang="en-US" smtClean="0"/>
               <a:t>‹#›</a:t>
             </a:fld>
-            <a:endParaRPr lang="en-US"/>
+            <a:endParaRPr lang="en-US" dirty="0"/>
           </a:p>
         </p:txBody>
       </p:sp>
@@ -1133,9 +1138,9 @@
           <a:p>
             <a:fld id="{4C5FABB2-20C3-FA46-B832-B81A4CBD1BF3}" type="datetimeFigureOut">
               <a:rPr lang="en-US" smtClean="0"/>
-              <a:t>6/20/23</a:t>
+              <a:t>7/3/23</a:t>
             </a:fld>
-            <a:endParaRPr lang="en-US"/>
+            <a:endParaRPr lang="en-US" dirty="0"/>
           </a:p>
         </p:txBody>
       </p:sp>
@@ -1160,7 +1165,7 @@
           <a:bodyPr/>
           <a:lstStyle/>
           <a:p>
-            <a:endParaRPr lang="en-US"/>
+            <a:endParaRPr lang="en-US" dirty="0"/>
           </a:p>
         </p:txBody>
       </p:sp>
@@ -1189,7 +1194,7 @@
               <a:rPr lang="en-US" smtClean="0"/>
               <a:t>‹#›</a:t>
             </a:fld>
-            <a:endParaRPr lang="en-US"/>
+            <a:endParaRPr lang="en-US" dirty="0"/>
           </a:p>
         </p:txBody>
       </p:sp>
@@ -1398,9 +1403,9 @@
           <a:p>
             <a:fld id="{4C5FABB2-20C3-FA46-B832-B81A4CBD1BF3}" type="datetimeFigureOut">
               <a:rPr lang="en-US" smtClean="0"/>
-              <a:t>6/20/23</a:t>
+              <a:t>7/3/23</a:t>
             </a:fld>
-            <a:endParaRPr lang="en-US"/>
+            <a:endParaRPr lang="en-US" dirty="0"/>
           </a:p>
         </p:txBody>
       </p:sp>
@@ -1425,7 +1430,7 @@
           <a:bodyPr/>
           <a:lstStyle/>
           <a:p>
-            <a:endParaRPr lang="en-US"/>
+            <a:endParaRPr lang="en-US" dirty="0"/>
           </a:p>
         </p:txBody>
       </p:sp>
@@ -1454,7 +1459,7 @@
               <a:rPr lang="en-US" smtClean="0"/>
               <a:t>‹#›</a:t>
             </a:fld>
-            <a:endParaRPr lang="en-US"/>
+            <a:endParaRPr lang="en-US" dirty="0"/>
           </a:p>
         </p:txBody>
       </p:sp>
@@ -1810,9 +1815,9 @@
           <a:p>
             <a:fld id="{4C5FABB2-20C3-FA46-B832-B81A4CBD1BF3}" type="datetimeFigureOut">
               <a:rPr lang="en-US" smtClean="0"/>
-              <a:t>6/20/23</a:t>
+              <a:t>7/3/23</a:t>
             </a:fld>
-            <a:endParaRPr lang="en-US"/>
+            <a:endParaRPr lang="en-US" dirty="0"/>
           </a:p>
         </p:txBody>
       </p:sp>
@@ -1837,7 +1842,7 @@
           <a:bodyPr/>
           <a:lstStyle/>
           <a:p>
-            <a:endParaRPr lang="en-US"/>
+            <a:endParaRPr lang="en-US" dirty="0"/>
           </a:p>
         </p:txBody>
       </p:sp>
@@ -1866,7 +1871,7 @@
               <a:rPr lang="en-US" smtClean="0"/>
               <a:t>‹#›</a:t>
             </a:fld>
-            <a:endParaRPr lang="en-US"/>
+            <a:endParaRPr lang="en-US" dirty="0"/>
           </a:p>
         </p:txBody>
       </p:sp>
@@ -1951,9 +1956,9 @@
           <a:p>
             <a:fld id="{4C5FABB2-20C3-FA46-B832-B81A4CBD1BF3}" type="datetimeFigureOut">
               <a:rPr lang="en-US" smtClean="0"/>
-              <a:t>6/20/23</a:t>
+              <a:t>7/3/23</a:t>
             </a:fld>
-            <a:endParaRPr lang="en-US"/>
+            <a:endParaRPr lang="en-US" dirty="0"/>
           </a:p>
         </p:txBody>
       </p:sp>
@@ -1978,7 +1983,7 @@
           <a:bodyPr/>
           <a:lstStyle/>
           <a:p>
-            <a:endParaRPr lang="en-US"/>
+            <a:endParaRPr lang="en-US" dirty="0"/>
           </a:p>
         </p:txBody>
       </p:sp>
@@ -2007,7 +2012,7 @@
               <a:rPr lang="en-US" smtClean="0"/>
               <a:t>‹#›</a:t>
             </a:fld>
-            <a:endParaRPr lang="en-US"/>
+            <a:endParaRPr lang="en-US" dirty="0"/>
           </a:p>
         </p:txBody>
       </p:sp>
@@ -2064,9 +2069,9 @@
           <a:p>
             <a:fld id="{4C5FABB2-20C3-FA46-B832-B81A4CBD1BF3}" type="datetimeFigureOut">
               <a:rPr lang="en-US" smtClean="0"/>
-              <a:t>6/20/23</a:t>
+              <a:t>7/3/23</a:t>
             </a:fld>
-            <a:endParaRPr lang="en-US"/>
+            <a:endParaRPr lang="en-US" dirty="0"/>
           </a:p>
         </p:txBody>
       </p:sp>
@@ -2091,7 +2096,7 @@
           <a:bodyPr/>
           <a:lstStyle/>
           <a:p>
-            <a:endParaRPr lang="en-US"/>
+            <a:endParaRPr lang="en-US" dirty="0"/>
           </a:p>
         </p:txBody>
       </p:sp>
@@ -2120,7 +2125,7 @@
               <a:rPr lang="en-US" smtClean="0"/>
               <a:t>‹#›</a:t>
             </a:fld>
-            <a:endParaRPr lang="en-US"/>
+            <a:endParaRPr lang="en-US" dirty="0"/>
           </a:p>
         </p:txBody>
       </p:sp>
@@ -2375,9 +2380,9 @@
           <a:p>
             <a:fld id="{4C5FABB2-20C3-FA46-B832-B81A4CBD1BF3}" type="datetimeFigureOut">
               <a:rPr lang="en-US" smtClean="0"/>
-              <a:t>6/20/23</a:t>
+              <a:t>7/3/23</a:t>
             </a:fld>
-            <a:endParaRPr lang="en-US"/>
+            <a:endParaRPr lang="en-US" dirty="0"/>
           </a:p>
         </p:txBody>
       </p:sp>
@@ -2402,7 +2407,7 @@
           <a:bodyPr/>
           <a:lstStyle/>
           <a:p>
-            <a:endParaRPr lang="en-US"/>
+            <a:endParaRPr lang="en-US" dirty="0"/>
           </a:p>
         </p:txBody>
       </p:sp>
@@ -2431,7 +2436,7 @@
               <a:rPr lang="en-US" smtClean="0"/>
               <a:t>‹#›</a:t>
             </a:fld>
-            <a:endParaRPr lang="en-US"/>
+            <a:endParaRPr lang="en-US" dirty="0"/>
           </a:p>
         </p:txBody>
       </p:sp>
@@ -2565,7 +2570,7 @@
             </a:lvl9pPr>
           </a:lstStyle>
           <a:p>
-            <a:endParaRPr lang="en-US"/>
+            <a:endParaRPr lang="en-US" dirty="0"/>
           </a:p>
         </p:txBody>
       </p:sp>
@@ -2663,9 +2668,9 @@
           <a:p>
             <a:fld id="{4C5FABB2-20C3-FA46-B832-B81A4CBD1BF3}" type="datetimeFigureOut">
               <a:rPr lang="en-US" smtClean="0"/>
-              <a:t>6/20/23</a:t>
+              <a:t>7/3/23</a:t>
             </a:fld>
-            <a:endParaRPr lang="en-US"/>
+            <a:endParaRPr lang="en-US" dirty="0"/>
           </a:p>
         </p:txBody>
       </p:sp>
@@ -2690,7 +2695,7 @@
           <a:bodyPr/>
           <a:lstStyle/>
           <a:p>
-            <a:endParaRPr lang="en-US"/>
+            <a:endParaRPr lang="en-US" dirty="0"/>
           </a:p>
         </p:txBody>
       </p:sp>
@@ -2719,7 +2724,7 @@
               <a:rPr lang="en-US" smtClean="0"/>
               <a:t>‹#›</a:t>
             </a:fld>
-            <a:endParaRPr lang="en-US"/>
+            <a:endParaRPr lang="en-US" dirty="0"/>
           </a:p>
         </p:txBody>
       </p:sp>
@@ -2904,9 +2909,9 @@
           <a:p>
             <a:fld id="{4C5FABB2-20C3-FA46-B832-B81A4CBD1BF3}" type="datetimeFigureOut">
               <a:rPr lang="en-US" smtClean="0"/>
-              <a:t>6/20/23</a:t>
+              <a:t>7/3/23</a:t>
             </a:fld>
-            <a:endParaRPr lang="en-US"/>
+            <a:endParaRPr lang="en-US" dirty="0"/>
           </a:p>
         </p:txBody>
       </p:sp>
@@ -2949,7 +2954,7 @@
             </a:lvl1pPr>
           </a:lstStyle>
           <a:p>
-            <a:endParaRPr lang="en-US"/>
+            <a:endParaRPr lang="en-US" dirty="0"/>
           </a:p>
         </p:txBody>
       </p:sp>
@@ -2996,7 +3001,7 @@
               <a:rPr lang="en-US" smtClean="0"/>
               <a:t>‹#›</a:t>
             </a:fld>
-            <a:endParaRPr lang="en-US"/>
+            <a:endParaRPr lang="en-US" dirty="0"/>
           </a:p>
         </p:txBody>
       </p:sp>
@@ -3399,7 +3404,7 @@
         <p:spPr>
           <a:xfrm>
             <a:off x="268356" y="1639956"/>
-            <a:ext cx="1895060" cy="600164"/>
+            <a:ext cx="1895060" cy="769441"/>
           </a:xfrm>
           <a:prstGeom prst="rect">
             <a:avLst/>
@@ -3413,8 +3418,10 @@
           <a:lstStyle/>
           <a:p>
             <a:r>
-              <a:rPr lang="en-US" sz="1100" dirty="0"/>
-              <a:t>Downloads books from the the Project Gutenberg sites and extracts the book text.</a:t>
+              <a:rPr lang="en-US" sz="1100" dirty="0">
+                <a:latin typeface="+mj-lt"/>
+              </a:rPr>
+              <a:t>Downloads books from the the Project Gutenberg web sites and extracts the book text.</a:t>
             </a:r>
           </a:p>
         </p:txBody>
@@ -3497,7 +3504,7 @@
         <p:spPr>
           <a:xfrm>
             <a:off x="2527852" y="1639956"/>
-            <a:ext cx="1895060" cy="769441"/>
+            <a:ext cx="1895060" cy="938719"/>
           </a:xfrm>
           <a:prstGeom prst="rect">
             <a:avLst/>
@@ -3511,8 +3518,10 @@
           <a:lstStyle/>
           <a:p>
             <a:r>
-              <a:rPr lang="en-US" sz="1100" dirty="0"/>
-              <a:t>Extracts number of tokens in each book using the TokenSharp library and proper embeddings encoding.</a:t>
+              <a:rPr lang="en-US" sz="1100" dirty="0">
+                <a:latin typeface="+mj-lt"/>
+              </a:rPr>
+              <a:t>Extracts number of tokens in each book using the TokenSharp library and estimates proper embeddings encoding.</a:t>
             </a:r>
           </a:p>
         </p:txBody>
@@ -3621,7 +3630,9 @@
           <a:lstStyle/>
           <a:p>
             <a:r>
-              <a:rPr lang="en-US" sz="1100" dirty="0"/>
+              <a:rPr lang="en-US" sz="1100" dirty="0">
+                <a:latin typeface="+mj-lt"/>
+              </a:rPr>
               <a:t>Perform Machine Learning enrichment of the book text using the ML.NET library – normalize text, remove stop words etc. Use Semantic Kernel to split text into paragraphs.</a:t>
             </a:r>
           </a:p>
@@ -3705,7 +3716,7 @@
         <p:spPr>
           <a:xfrm>
             <a:off x="7060095" y="1639956"/>
-            <a:ext cx="1895060" cy="430887"/>
+            <a:ext cx="1895060" cy="938719"/>
           </a:xfrm>
           <a:prstGeom prst="rect">
             <a:avLst/>
@@ -3719,8 +3730,10 @@
           <a:lstStyle/>
           <a:p>
             <a:r>
-              <a:rPr lang="en-US" sz="1100" dirty="0"/>
-              <a:t>Get paragraph text embeddings from OpenAI API.</a:t>
+              <a:rPr lang="en-US" sz="1100" dirty="0">
+                <a:latin typeface="+mj-lt"/>
+              </a:rPr>
+              <a:t>Get paragraph text embeddings from OpenAI API using text-embedding-ada-002 model to create semantic meaning in 1516 dimensions.</a:t>
             </a:r>
           </a:p>
         </p:txBody>
@@ -3803,7 +3816,7 @@
         <p:spPr>
           <a:xfrm>
             <a:off x="9332842" y="1639955"/>
-            <a:ext cx="1895060" cy="938719"/>
+            <a:ext cx="1895060" cy="1277273"/>
           </a:xfrm>
           <a:prstGeom prst="rect">
             <a:avLst/>
@@ -3818,7 +3831,7 @@
           <a:p>
             <a:r>
               <a:rPr lang="en-US" sz="1100" dirty="0"/>
-              <a:t>Create the vector database in SQL Server from the extracted embeddings. Persist the document enrichment into JSON file.</a:t>
+              <a:t>Create the vector database in SQL Server from the extracted embeddings. Persist the document enrichment into JSON file, which can be used inside a Data Lake or stored for further analysis.</a:t>
             </a:r>
           </a:p>
         </p:txBody>
@@ -3979,7 +3992,7 @@
         <p:spPr>
           <a:xfrm>
             <a:off x="178902" y="363934"/>
-            <a:ext cx="3706467" cy="369332"/>
+            <a:ext cx="10070417" cy="369332"/>
           </a:xfrm>
           <a:prstGeom prst="rect">
             <a:avLst/>
@@ -4001,7 +4014,7 @@
                   </a:schemeClr>
                 </a:solidFill>
               </a:rPr>
-              <a:t>Document Enrichment Pipeline</a:t>
+              <a:t>Document Enrichment Pipeline – Builds a Vector Database in SQL Server/Azure SQL from list of books</a:t>
             </a:r>
           </a:p>
         </p:txBody>
@@ -4021,7 +4034,7 @@
         <p:spPr>
           <a:xfrm>
             <a:off x="178902" y="3059668"/>
-            <a:ext cx="3706467" cy="369332"/>
+            <a:ext cx="11049000" cy="369332"/>
           </a:xfrm>
           <a:prstGeom prst="rect">
             <a:avLst/>
@@ -4043,7 +4056,7 @@
                   </a:schemeClr>
                 </a:solidFill>
               </a:rPr>
-              <a:t>Q&amp;A Over Vector Database Pipeline</a:t>
+              <a:t>Q&amp;A over Vector Database Pipeline – Uses Vector Database search to isolate a phrase and answer questions</a:t>
             </a:r>
           </a:p>
         </p:txBody>
@@ -4140,8 +4153,10 @@
           <a:lstStyle/>
           <a:p>
             <a:r>
-              <a:rPr lang="en-US" sz="1100" dirty="0"/>
-              <a:t>Convert from search string (text) into OpenAI embeddings using OpenAI API.</a:t>
+              <a:rPr lang="en-US" sz="1100" dirty="0">
+                <a:latin typeface="+mj-lt"/>
+              </a:rPr>
+              <a:t>Convert asked question from search string (text) into OpenAI embeddings using Semantic Kernel (OpenAI API)</a:t>
             </a:r>
           </a:p>
         </p:txBody>
@@ -4238,8 +4253,10 @@
           <a:lstStyle/>
           <a:p>
             <a:r>
-              <a:rPr lang="en-US" sz="1100" dirty="0"/>
-              <a:t>Search the vector index database using SQL Server and vector similarity math. Extract the top paragraphs that match search.</a:t>
+              <a:rPr lang="en-US" sz="1100" dirty="0">
+                <a:latin typeface="+mj-lt"/>
+              </a:rPr>
+              <a:t>Search the vector index database using SQL Server and cosine vector similarity math. Extract the top paragraphs that match search.</a:t>
             </a:r>
           </a:p>
         </p:txBody>
@@ -4430,8 +4447,10 @@
           <a:lstStyle/>
           <a:p>
             <a:r>
-              <a:rPr lang="en-US" sz="1100" dirty="0"/>
-              <a:t>Use Semantic Kernel and OpenAI to create a prompt to answer the question based on the extracted paragraph from vector search.</a:t>
+              <a:rPr lang="en-US" sz="1100" dirty="0">
+                <a:latin typeface="+mj-lt"/>
+              </a:rPr>
+              <a:t>Use Semantic Kernel to create a prompt to answer the question using OpenAI based on the extracted paragraph from vector search.</a:t>
             </a:r>
           </a:p>
         </p:txBody>
@@ -4483,6 +4502,601 @@
           </a:extLst>
         </p:spPr>
       </p:pic>
+      <p:pic>
+        <p:nvPicPr>
+          <p:cNvPr id="25" name="Picture 8" descr="GitHub - microsoft/semantic-kernel: Integrate cutting-edge LLM technology  quickly and easily into your apps">
+            <a:extLst>
+              <a:ext uri="{FF2B5EF4-FFF2-40B4-BE49-F238E27FC236}">
+                <a16:creationId xmlns:a16="http://schemas.microsoft.com/office/drawing/2014/main" id="{7F3546C4-F200-09D6-29E5-EAD19696B9FA}"/>
+              </a:ext>
+            </a:extLst>
+          </p:cNvPr>
+          <p:cNvPicPr>
+            <a:picLocks noChangeAspect="1" noChangeArrowheads="1"/>
+          </p:cNvPicPr>
+          <p:nvPr/>
+        </p:nvPicPr>
+        <p:blipFill>
+          <a:blip r:embed="rId5">
+            <a:extLst>
+              <a:ext uri="{28A0092B-C50C-407E-A947-70E740481C1C}">
+                <a14:useLocalDpi xmlns:a14="http://schemas.microsoft.com/office/drawing/2010/main" val="0"/>
+              </a:ext>
+            </a:extLst>
+          </a:blip>
+          <a:srcRect/>
+          <a:stretch>
+            <a:fillRect/>
+          </a:stretch>
+        </p:blipFill>
+        <p:spPr bwMode="auto">
+          <a:xfrm>
+            <a:off x="4163290" y="793964"/>
+            <a:ext cx="430887" cy="430887"/>
+          </a:xfrm>
+          <a:prstGeom prst="rect">
+            <a:avLst/>
+          </a:prstGeom>
+          <a:noFill/>
+          <a:extLst>
+            <a:ext uri="{909E8E84-426E-40DD-AFC4-6F175D3DCCD1}">
+              <a14:hiddenFill xmlns:a14="http://schemas.microsoft.com/office/drawing/2010/main">
+                <a:solidFill>
+                  <a:srgbClr val="FFFFFF"/>
+                </a:solidFill>
+              </a14:hiddenFill>
+            </a:ext>
+          </a:extLst>
+        </p:spPr>
+      </p:pic>
+      <p:pic>
+        <p:nvPicPr>
+          <p:cNvPr id="26" name="Picture 8" descr="GitHub - microsoft/semantic-kernel: Integrate cutting-edge LLM technology  quickly and easily into your apps">
+            <a:extLst>
+              <a:ext uri="{FF2B5EF4-FFF2-40B4-BE49-F238E27FC236}">
+                <a16:creationId xmlns:a16="http://schemas.microsoft.com/office/drawing/2014/main" id="{1A8E718B-4AC9-86EE-D2FD-D3DE9A1D55F6}"/>
+              </a:ext>
+            </a:extLst>
+          </p:cNvPr>
+          <p:cNvPicPr>
+            <a:picLocks noChangeAspect="1" noChangeArrowheads="1"/>
+          </p:cNvPicPr>
+          <p:nvPr/>
+        </p:nvPicPr>
+        <p:blipFill>
+          <a:blip r:embed="rId5">
+            <a:extLst>
+              <a:ext uri="{28A0092B-C50C-407E-A947-70E740481C1C}">
+                <a14:useLocalDpi xmlns:a14="http://schemas.microsoft.com/office/drawing/2010/main" val="0"/>
+              </a:ext>
+            </a:extLst>
+          </a:blip>
+          <a:srcRect/>
+          <a:stretch>
+            <a:fillRect/>
+          </a:stretch>
+        </p:blipFill>
+        <p:spPr bwMode="auto">
+          <a:xfrm>
+            <a:off x="1907744" y="782758"/>
+            <a:ext cx="430887" cy="430887"/>
+          </a:xfrm>
+          <a:prstGeom prst="rect">
+            <a:avLst/>
+          </a:prstGeom>
+          <a:noFill/>
+          <a:extLst>
+            <a:ext uri="{909E8E84-426E-40DD-AFC4-6F175D3DCCD1}">
+              <a14:hiddenFill xmlns:a14="http://schemas.microsoft.com/office/drawing/2010/main">
+                <a:solidFill>
+                  <a:srgbClr val="FFFFFF"/>
+                </a:solidFill>
+              </a14:hiddenFill>
+            </a:ext>
+          </a:extLst>
+        </p:spPr>
+      </p:pic>
+      <p:sp>
+        <p:nvSpPr>
+          <p:cNvPr id="2" name="Oval 1">
+            <a:extLst>
+              <a:ext uri="{FF2B5EF4-FFF2-40B4-BE49-F238E27FC236}">
+                <a16:creationId xmlns:a16="http://schemas.microsoft.com/office/drawing/2014/main" id="{EEEE9A68-DD6F-E502-81B2-FC4A801E9820}"/>
+              </a:ext>
+            </a:extLst>
+          </p:cNvPr>
+          <p:cNvSpPr/>
+          <p:nvPr/>
+        </p:nvSpPr>
+        <p:spPr>
+          <a:xfrm>
+            <a:off x="120372" y="846834"/>
+            <a:ext cx="327109" cy="326869"/>
+          </a:xfrm>
+          <a:prstGeom prst="ellipse">
+            <a:avLst/>
+          </a:prstGeom>
+          <a:solidFill>
+            <a:schemeClr val="accent6">
+              <a:lumMod val="20000"/>
+              <a:lumOff val="80000"/>
+            </a:schemeClr>
+          </a:solidFill>
+          <a:ln>
+            <a:noFill/>
+          </a:ln>
+        </p:spPr>
+        <p:style>
+          <a:lnRef idx="2">
+            <a:schemeClr val="accent1">
+              <a:shade val="15000"/>
+            </a:schemeClr>
+          </a:lnRef>
+          <a:fillRef idx="1">
+            <a:schemeClr val="accent1"/>
+          </a:fillRef>
+          <a:effectRef idx="0">
+            <a:schemeClr val="accent1"/>
+          </a:effectRef>
+          <a:fontRef idx="minor">
+            <a:schemeClr val="lt1"/>
+          </a:fontRef>
+        </p:style>
+        <p:txBody>
+          <a:bodyPr rtlCol="0" anchor="ctr"/>
+          <a:lstStyle/>
+          <a:p>
+            <a:pPr algn="ctr"/>
+            <a:r>
+              <a:rPr lang="en-US" dirty="0">
+                <a:solidFill>
+                  <a:schemeClr val="tx1"/>
+                </a:solidFill>
+                <a:latin typeface="+mj-lt"/>
+              </a:rPr>
+              <a:t>1</a:t>
+            </a:r>
+          </a:p>
+        </p:txBody>
+      </p:sp>
+      <p:sp>
+        <p:nvSpPr>
+          <p:cNvPr id="3" name="Oval 2">
+            <a:extLst>
+              <a:ext uri="{FF2B5EF4-FFF2-40B4-BE49-F238E27FC236}">
+                <a16:creationId xmlns:a16="http://schemas.microsoft.com/office/drawing/2014/main" id="{3F256215-EB29-6682-3DB0-9C090D719F9F}"/>
+              </a:ext>
+            </a:extLst>
+          </p:cNvPr>
+          <p:cNvSpPr/>
+          <p:nvPr/>
+        </p:nvSpPr>
+        <p:spPr>
+          <a:xfrm>
+            <a:off x="2379868" y="846834"/>
+            <a:ext cx="327109" cy="326869"/>
+          </a:xfrm>
+          <a:prstGeom prst="ellipse">
+            <a:avLst/>
+          </a:prstGeom>
+          <a:solidFill>
+            <a:schemeClr val="accent6">
+              <a:lumMod val="20000"/>
+              <a:lumOff val="80000"/>
+            </a:schemeClr>
+          </a:solidFill>
+          <a:ln>
+            <a:noFill/>
+          </a:ln>
+        </p:spPr>
+        <p:style>
+          <a:lnRef idx="2">
+            <a:schemeClr val="accent1">
+              <a:shade val="15000"/>
+            </a:schemeClr>
+          </a:lnRef>
+          <a:fillRef idx="1">
+            <a:schemeClr val="accent1"/>
+          </a:fillRef>
+          <a:effectRef idx="0">
+            <a:schemeClr val="accent1"/>
+          </a:effectRef>
+          <a:fontRef idx="minor">
+            <a:schemeClr val="lt1"/>
+          </a:fontRef>
+        </p:style>
+        <p:txBody>
+          <a:bodyPr rtlCol="0" anchor="ctr"/>
+          <a:lstStyle/>
+          <a:p>
+            <a:pPr algn="ctr"/>
+            <a:r>
+              <a:rPr lang="en-US" dirty="0">
+                <a:solidFill>
+                  <a:schemeClr val="tx1"/>
+                </a:solidFill>
+                <a:latin typeface="+mj-lt"/>
+              </a:rPr>
+              <a:t>2</a:t>
+            </a:r>
+          </a:p>
+        </p:txBody>
+      </p:sp>
+      <p:sp>
+        <p:nvSpPr>
+          <p:cNvPr id="23" name="Oval 22">
+            <a:extLst>
+              <a:ext uri="{FF2B5EF4-FFF2-40B4-BE49-F238E27FC236}">
+                <a16:creationId xmlns:a16="http://schemas.microsoft.com/office/drawing/2014/main" id="{7DD49093-66EB-E5AF-EDFE-63EB9C754486}"/>
+              </a:ext>
+            </a:extLst>
+          </p:cNvPr>
+          <p:cNvSpPr/>
+          <p:nvPr/>
+        </p:nvSpPr>
+        <p:spPr>
+          <a:xfrm>
+            <a:off x="4652615" y="839180"/>
+            <a:ext cx="327109" cy="326869"/>
+          </a:xfrm>
+          <a:prstGeom prst="ellipse">
+            <a:avLst/>
+          </a:prstGeom>
+          <a:solidFill>
+            <a:schemeClr val="accent6">
+              <a:lumMod val="20000"/>
+              <a:lumOff val="80000"/>
+            </a:schemeClr>
+          </a:solidFill>
+          <a:ln>
+            <a:noFill/>
+          </a:ln>
+        </p:spPr>
+        <p:style>
+          <a:lnRef idx="2">
+            <a:schemeClr val="accent1">
+              <a:shade val="15000"/>
+            </a:schemeClr>
+          </a:lnRef>
+          <a:fillRef idx="1">
+            <a:schemeClr val="accent1"/>
+          </a:fillRef>
+          <a:effectRef idx="0">
+            <a:schemeClr val="accent1"/>
+          </a:effectRef>
+          <a:fontRef idx="minor">
+            <a:schemeClr val="lt1"/>
+          </a:fontRef>
+        </p:style>
+        <p:txBody>
+          <a:bodyPr rtlCol="0" anchor="ctr"/>
+          <a:lstStyle/>
+          <a:p>
+            <a:pPr algn="ctr"/>
+            <a:r>
+              <a:rPr lang="en-US" dirty="0">
+                <a:solidFill>
+                  <a:schemeClr val="tx1"/>
+                </a:solidFill>
+                <a:latin typeface="+mj-lt"/>
+              </a:rPr>
+              <a:t>3</a:t>
+            </a:r>
+          </a:p>
+        </p:txBody>
+      </p:sp>
+      <p:sp>
+        <p:nvSpPr>
+          <p:cNvPr id="27" name="Oval 26">
+            <a:extLst>
+              <a:ext uri="{FF2B5EF4-FFF2-40B4-BE49-F238E27FC236}">
+                <a16:creationId xmlns:a16="http://schemas.microsoft.com/office/drawing/2014/main" id="{615DC0E2-9E09-EB77-5DB0-E49A1DD6772B}"/>
+              </a:ext>
+            </a:extLst>
+          </p:cNvPr>
+          <p:cNvSpPr/>
+          <p:nvPr/>
+        </p:nvSpPr>
+        <p:spPr>
+          <a:xfrm>
+            <a:off x="6941932" y="848071"/>
+            <a:ext cx="327109" cy="326869"/>
+          </a:xfrm>
+          <a:prstGeom prst="ellipse">
+            <a:avLst/>
+          </a:prstGeom>
+          <a:solidFill>
+            <a:schemeClr val="accent6">
+              <a:lumMod val="20000"/>
+              <a:lumOff val="80000"/>
+            </a:schemeClr>
+          </a:solidFill>
+          <a:ln>
+            <a:noFill/>
+          </a:ln>
+        </p:spPr>
+        <p:style>
+          <a:lnRef idx="2">
+            <a:schemeClr val="accent1">
+              <a:shade val="15000"/>
+            </a:schemeClr>
+          </a:lnRef>
+          <a:fillRef idx="1">
+            <a:schemeClr val="accent1"/>
+          </a:fillRef>
+          <a:effectRef idx="0">
+            <a:schemeClr val="accent1"/>
+          </a:effectRef>
+          <a:fontRef idx="minor">
+            <a:schemeClr val="lt1"/>
+          </a:fontRef>
+        </p:style>
+        <p:txBody>
+          <a:bodyPr rtlCol="0" anchor="ctr"/>
+          <a:lstStyle/>
+          <a:p>
+            <a:pPr algn="ctr"/>
+            <a:r>
+              <a:rPr lang="en-US" dirty="0">
+                <a:solidFill>
+                  <a:schemeClr val="tx1"/>
+                </a:solidFill>
+                <a:latin typeface="+mj-lt"/>
+              </a:rPr>
+              <a:t>4</a:t>
+            </a:r>
+          </a:p>
+        </p:txBody>
+      </p:sp>
+      <p:sp>
+        <p:nvSpPr>
+          <p:cNvPr id="28" name="Oval 27">
+            <a:extLst>
+              <a:ext uri="{FF2B5EF4-FFF2-40B4-BE49-F238E27FC236}">
+                <a16:creationId xmlns:a16="http://schemas.microsoft.com/office/drawing/2014/main" id="{0E8D3E86-38E8-F1FB-D93A-BDB50E6C1F80}"/>
+              </a:ext>
+            </a:extLst>
+          </p:cNvPr>
+          <p:cNvSpPr/>
+          <p:nvPr/>
+        </p:nvSpPr>
+        <p:spPr>
+          <a:xfrm>
+            <a:off x="9214679" y="848071"/>
+            <a:ext cx="327109" cy="326869"/>
+          </a:xfrm>
+          <a:prstGeom prst="ellipse">
+            <a:avLst/>
+          </a:prstGeom>
+          <a:solidFill>
+            <a:schemeClr val="accent6">
+              <a:lumMod val="20000"/>
+              <a:lumOff val="80000"/>
+            </a:schemeClr>
+          </a:solidFill>
+          <a:ln>
+            <a:noFill/>
+          </a:ln>
+        </p:spPr>
+        <p:style>
+          <a:lnRef idx="2">
+            <a:schemeClr val="accent1">
+              <a:shade val="15000"/>
+            </a:schemeClr>
+          </a:lnRef>
+          <a:fillRef idx="1">
+            <a:schemeClr val="accent1"/>
+          </a:fillRef>
+          <a:effectRef idx="0">
+            <a:schemeClr val="accent1"/>
+          </a:effectRef>
+          <a:fontRef idx="minor">
+            <a:schemeClr val="lt1"/>
+          </a:fontRef>
+        </p:style>
+        <p:txBody>
+          <a:bodyPr rtlCol="0" anchor="ctr"/>
+          <a:lstStyle/>
+          <a:p>
+            <a:pPr algn="ctr"/>
+            <a:r>
+              <a:rPr lang="en-US" dirty="0">
+                <a:solidFill>
+                  <a:schemeClr val="tx1"/>
+                </a:solidFill>
+                <a:latin typeface="+mj-lt"/>
+              </a:rPr>
+              <a:t>5</a:t>
+            </a:r>
+          </a:p>
+        </p:txBody>
+      </p:sp>
+      <p:sp>
+        <p:nvSpPr>
+          <p:cNvPr id="29" name="Oval 28">
+            <a:extLst>
+              <a:ext uri="{FF2B5EF4-FFF2-40B4-BE49-F238E27FC236}">
+                <a16:creationId xmlns:a16="http://schemas.microsoft.com/office/drawing/2014/main" id="{ECF9B3F7-AB15-C808-7B2D-5C1604CB4A69}"/>
+              </a:ext>
+            </a:extLst>
+          </p:cNvPr>
+          <p:cNvSpPr/>
+          <p:nvPr/>
+        </p:nvSpPr>
+        <p:spPr>
+          <a:xfrm>
+            <a:off x="120372" y="3545566"/>
+            <a:ext cx="327109" cy="326869"/>
+          </a:xfrm>
+          <a:prstGeom prst="ellipse">
+            <a:avLst/>
+          </a:prstGeom>
+          <a:solidFill>
+            <a:schemeClr val="bg1">
+              <a:lumMod val="95000"/>
+            </a:schemeClr>
+          </a:solidFill>
+          <a:ln>
+            <a:noFill/>
+          </a:ln>
+        </p:spPr>
+        <p:style>
+          <a:lnRef idx="2">
+            <a:schemeClr val="accent1">
+              <a:shade val="15000"/>
+            </a:schemeClr>
+          </a:lnRef>
+          <a:fillRef idx="1">
+            <a:schemeClr val="accent1"/>
+          </a:fillRef>
+          <a:effectRef idx="0">
+            <a:schemeClr val="accent1"/>
+          </a:effectRef>
+          <a:fontRef idx="minor">
+            <a:schemeClr val="lt1"/>
+          </a:fontRef>
+        </p:style>
+        <p:txBody>
+          <a:bodyPr rtlCol="0" anchor="ctr"/>
+          <a:lstStyle/>
+          <a:p>
+            <a:pPr algn="ctr"/>
+            <a:r>
+              <a:rPr lang="en-US" dirty="0">
+                <a:solidFill>
+                  <a:schemeClr val="tx1"/>
+                </a:solidFill>
+                <a:latin typeface="+mj-lt"/>
+              </a:rPr>
+              <a:t>1</a:t>
+            </a:r>
+          </a:p>
+        </p:txBody>
+      </p:sp>
+      <p:sp>
+        <p:nvSpPr>
+          <p:cNvPr id="31" name="Oval 30">
+            <a:extLst>
+              <a:ext uri="{FF2B5EF4-FFF2-40B4-BE49-F238E27FC236}">
+                <a16:creationId xmlns:a16="http://schemas.microsoft.com/office/drawing/2014/main" id="{A0485DED-4AFA-E215-2E49-2510E953C26D}"/>
+              </a:ext>
+            </a:extLst>
+          </p:cNvPr>
+          <p:cNvSpPr/>
+          <p:nvPr/>
+        </p:nvSpPr>
+        <p:spPr>
+          <a:xfrm>
+            <a:off x="2381405" y="3538563"/>
+            <a:ext cx="327109" cy="326869"/>
+          </a:xfrm>
+          <a:prstGeom prst="ellipse">
+            <a:avLst/>
+          </a:prstGeom>
+          <a:solidFill>
+            <a:schemeClr val="bg1">
+              <a:lumMod val="95000"/>
+            </a:schemeClr>
+          </a:solidFill>
+          <a:ln>
+            <a:noFill/>
+          </a:ln>
+        </p:spPr>
+        <p:style>
+          <a:lnRef idx="2">
+            <a:schemeClr val="accent1">
+              <a:shade val="15000"/>
+            </a:schemeClr>
+          </a:lnRef>
+          <a:fillRef idx="1">
+            <a:schemeClr val="accent1"/>
+          </a:fillRef>
+          <a:effectRef idx="0">
+            <a:schemeClr val="accent1"/>
+          </a:effectRef>
+          <a:fontRef idx="minor">
+            <a:schemeClr val="lt1"/>
+          </a:fontRef>
+        </p:style>
+        <p:txBody>
+          <a:bodyPr rtlCol="0" anchor="ctr"/>
+          <a:lstStyle/>
+          <a:p>
+            <a:pPr algn="ctr"/>
+            <a:r>
+              <a:rPr lang="en-US" dirty="0">
+                <a:solidFill>
+                  <a:schemeClr val="tx1"/>
+                </a:solidFill>
+                <a:latin typeface="+mj-lt"/>
+              </a:rPr>
+              <a:t>2</a:t>
+            </a:r>
+          </a:p>
+        </p:txBody>
+      </p:sp>
+      <p:sp>
+        <p:nvSpPr>
+          <p:cNvPr id="32" name="Oval 31">
+            <a:extLst>
+              <a:ext uri="{FF2B5EF4-FFF2-40B4-BE49-F238E27FC236}">
+                <a16:creationId xmlns:a16="http://schemas.microsoft.com/office/drawing/2014/main" id="{5F2D2B8E-BA5B-1D5D-9DB0-7BD6FFE99A3E}"/>
+              </a:ext>
+            </a:extLst>
+          </p:cNvPr>
+          <p:cNvSpPr/>
+          <p:nvPr/>
+        </p:nvSpPr>
+        <p:spPr>
+          <a:xfrm>
+            <a:off x="4634346" y="3538562"/>
+            <a:ext cx="327109" cy="326869"/>
+          </a:xfrm>
+          <a:prstGeom prst="ellipse">
+            <a:avLst/>
+          </a:prstGeom>
+          <a:solidFill>
+            <a:schemeClr val="bg1">
+              <a:lumMod val="95000"/>
+            </a:schemeClr>
+          </a:solidFill>
+          <a:ln>
+            <a:noFill/>
+          </a:ln>
+        </p:spPr>
+        <p:style>
+          <a:lnRef idx="2">
+            <a:schemeClr val="accent1">
+              <a:shade val="15000"/>
+            </a:schemeClr>
+          </a:lnRef>
+          <a:fillRef idx="1">
+            <a:schemeClr val="accent1"/>
+          </a:fillRef>
+          <a:effectRef idx="0">
+            <a:schemeClr val="accent1"/>
+          </a:effectRef>
+          <a:fontRef idx="minor">
+            <a:schemeClr val="lt1"/>
+          </a:fontRef>
+        </p:style>
+        <p:txBody>
+          <a:bodyPr rtlCol="0" anchor="ctr"/>
+          <a:lstStyle/>
+          <a:p>
+            <a:pPr algn="ctr"/>
+            <a:r>
+              <a:rPr lang="en-US" dirty="0">
+                <a:solidFill>
+                  <a:schemeClr val="tx1"/>
+                </a:solidFill>
+                <a:latin typeface="+mj-lt"/>
+              </a:rPr>
+              <a:t>3</a:t>
+            </a:r>
+          </a:p>
+        </p:txBody>
+      </p:sp>
     </p:spTree>
     <p:extLst>
       <p:ext uri="{BB962C8B-B14F-4D97-AF65-F5344CB8AC3E}">

--- a/TPLDataFlows-Pipeline.pptx
+++ b/TPLDataFlows-Pipeline.pptx
@@ -259,7 +259,7 @@
           <a:p>
             <a:fld id="{4C5FABB2-20C3-FA46-B832-B81A4CBD1BF3}" type="datetimeFigureOut">
               <a:rPr lang="en-US" smtClean="0"/>
-              <a:t>7/3/23</a:t>
+              <a:t>7/24/2023</a:t>
             </a:fld>
             <a:endParaRPr lang="en-US" dirty="0"/>
           </a:p>
@@ -457,7 +457,7 @@
           <a:p>
             <a:fld id="{4C5FABB2-20C3-FA46-B832-B81A4CBD1BF3}" type="datetimeFigureOut">
               <a:rPr lang="en-US" smtClean="0"/>
-              <a:t>7/3/23</a:t>
+              <a:t>7/24/2023</a:t>
             </a:fld>
             <a:endParaRPr lang="en-US" dirty="0"/>
           </a:p>
@@ -665,7 +665,7 @@
           <a:p>
             <a:fld id="{4C5FABB2-20C3-FA46-B832-B81A4CBD1BF3}" type="datetimeFigureOut">
               <a:rPr lang="en-US" smtClean="0"/>
-              <a:t>7/3/23</a:t>
+              <a:t>7/24/2023</a:t>
             </a:fld>
             <a:endParaRPr lang="en-US" dirty="0"/>
           </a:p>
@@ -863,7 +863,7 @@
           <a:p>
             <a:fld id="{4C5FABB2-20C3-FA46-B832-B81A4CBD1BF3}" type="datetimeFigureOut">
               <a:rPr lang="en-US" smtClean="0"/>
-              <a:t>7/3/23</a:t>
+              <a:t>7/24/2023</a:t>
             </a:fld>
             <a:endParaRPr lang="en-US" dirty="0"/>
           </a:p>
@@ -1138,7 +1138,7 @@
           <a:p>
             <a:fld id="{4C5FABB2-20C3-FA46-B832-B81A4CBD1BF3}" type="datetimeFigureOut">
               <a:rPr lang="en-US" smtClean="0"/>
-              <a:t>7/3/23</a:t>
+              <a:t>7/24/2023</a:t>
             </a:fld>
             <a:endParaRPr lang="en-US" dirty="0"/>
           </a:p>
@@ -1403,7 +1403,7 @@
           <a:p>
             <a:fld id="{4C5FABB2-20C3-FA46-B832-B81A4CBD1BF3}" type="datetimeFigureOut">
               <a:rPr lang="en-US" smtClean="0"/>
-              <a:t>7/3/23</a:t>
+              <a:t>7/24/2023</a:t>
             </a:fld>
             <a:endParaRPr lang="en-US" dirty="0"/>
           </a:p>
@@ -1815,7 +1815,7 @@
           <a:p>
             <a:fld id="{4C5FABB2-20C3-FA46-B832-B81A4CBD1BF3}" type="datetimeFigureOut">
               <a:rPr lang="en-US" smtClean="0"/>
-              <a:t>7/3/23</a:t>
+              <a:t>7/24/2023</a:t>
             </a:fld>
             <a:endParaRPr lang="en-US" dirty="0"/>
           </a:p>
@@ -1956,7 +1956,7 @@
           <a:p>
             <a:fld id="{4C5FABB2-20C3-FA46-B832-B81A4CBD1BF3}" type="datetimeFigureOut">
               <a:rPr lang="en-US" smtClean="0"/>
-              <a:t>7/3/23</a:t>
+              <a:t>7/24/2023</a:t>
             </a:fld>
             <a:endParaRPr lang="en-US" dirty="0"/>
           </a:p>
@@ -2069,7 +2069,7 @@
           <a:p>
             <a:fld id="{4C5FABB2-20C3-FA46-B832-B81A4CBD1BF3}" type="datetimeFigureOut">
               <a:rPr lang="en-US" smtClean="0"/>
-              <a:t>7/3/23</a:t>
+              <a:t>7/24/2023</a:t>
             </a:fld>
             <a:endParaRPr lang="en-US" dirty="0"/>
           </a:p>
@@ -2380,7 +2380,7 @@
           <a:p>
             <a:fld id="{4C5FABB2-20C3-FA46-B832-B81A4CBD1BF3}" type="datetimeFigureOut">
               <a:rPr lang="en-US" smtClean="0"/>
-              <a:t>7/3/23</a:t>
+              <a:t>7/24/2023</a:t>
             </a:fld>
             <a:endParaRPr lang="en-US" dirty="0"/>
           </a:p>
@@ -2668,7 +2668,7 @@
           <a:p>
             <a:fld id="{4C5FABB2-20C3-FA46-B832-B81A4CBD1BF3}" type="datetimeFigureOut">
               <a:rPr lang="en-US" smtClean="0"/>
-              <a:t>7/3/23</a:t>
+              <a:t>7/24/2023</a:t>
             </a:fld>
             <a:endParaRPr lang="en-US" dirty="0"/>
           </a:p>
@@ -2909,7 +2909,7 @@
           <a:p>
             <a:fld id="{4C5FABB2-20C3-FA46-B832-B81A4CBD1BF3}" type="datetimeFigureOut">
               <a:rPr lang="en-US" smtClean="0"/>
-              <a:t>7/3/23</a:t>
+              <a:t>7/24/2023</a:t>
             </a:fld>
             <a:endParaRPr lang="en-US" dirty="0"/>
           </a:p>
@@ -3633,7 +3633,7 @@
               <a:rPr lang="en-US" sz="1100" dirty="0">
                 <a:latin typeface="+mj-lt"/>
               </a:rPr>
-              <a:t>Perform Machine Learning enrichment of the book text using the ML.NET library – normalize text, remove stop words etc. Use Semantic Kernel to split text into paragraphs.</a:t>
+              <a:t>Perform Machine Learning enrichment of the book text using the ML.NET library – normalize text, remove stop words etc. Use Semantic Kernel to split text into paragraph chunks.</a:t>
             </a:r>
           </a:p>
         </p:txBody>
@@ -4156,7 +4156,7 @@
               <a:rPr lang="en-US" sz="1100" dirty="0">
                 <a:latin typeface="+mj-lt"/>
               </a:rPr>
-              <a:t>Convert asked question from search string (text) into OpenAI embeddings using Semantic Kernel (OpenAI API)</a:t>
+              <a:t>Convert asked question from search string (text) into OpenAI embeddings using Semantic Kernel (OpenAI API).</a:t>
             </a:r>
           </a:p>
         </p:txBody>
@@ -4239,7 +4239,7 @@
         <p:spPr>
           <a:xfrm>
             <a:off x="2527852" y="4335690"/>
-            <a:ext cx="1895060" cy="938719"/>
+            <a:ext cx="1895060" cy="1107996"/>
           </a:xfrm>
           <a:prstGeom prst="rect">
             <a:avLst/>
@@ -4256,7 +4256,7 @@
               <a:rPr lang="en-US" sz="1100" dirty="0">
                 <a:latin typeface="+mj-lt"/>
               </a:rPr>
-              <a:t>Search the vector index database using SQL Server and cosine vector similarity math. Extract the top paragraphs that match search.</a:t>
+              <a:t>Search the vector index database using a hybrid of SQL Server (SQL) and cosine vector similarity math. Extract the top paragraphs that have similar semantic meaning.</a:t>
             </a:r>
           </a:p>
         </p:txBody>
@@ -4413,7 +4413,7 @@
                 </a:solidFill>
                 <a:latin typeface="+mj-lt"/>
               </a:rPr>
-              <a:t>Answer Question</a:t>
+              <a:t>Answer Questions</a:t>
             </a:r>
           </a:p>
         </p:txBody>
@@ -4433,7 +4433,7 @@
         <p:spPr>
           <a:xfrm>
             <a:off x="4787347" y="4335690"/>
-            <a:ext cx="1895060" cy="938719"/>
+            <a:ext cx="1895060" cy="1107996"/>
           </a:xfrm>
           <a:prstGeom prst="rect">
             <a:avLst/>
@@ -4450,7 +4450,7 @@
               <a:rPr lang="en-US" sz="1100" dirty="0">
                 <a:latin typeface="+mj-lt"/>
               </a:rPr>
-              <a:t>Use Semantic Kernel to create a prompt to answer the question using OpenAI based on the extracted paragraph from vector search.</a:t>
+              <a:t>Use Semantic Kernel to create a prompt (from a skill) to answer the question. Provide context to the prompt using top semantic meaning paragraphs.</a:t>
             </a:r>
           </a:p>
         </p:txBody>
